--- a/Распределенная файловая система Lustre.pptx
+++ b/Распределенная файловая система Lustre.pptx
@@ -4114,52 +4114,37 @@
               <a:rPr lang="en-US" dirty="0" smtClean="0"/>
               <a:t>3GB/s </a:t>
             </a:r>
-            <a:endParaRPr lang="en-US" dirty="0" smtClean="0"/>
           </a:p>
           <a:p>
             <a:pPr lvl="1"/>
             <a:r>
               <a:rPr lang="en-US" dirty="0" smtClean="0"/>
-              <a:t>Quadrics</a:t>
+              <a:t>Quadrics: </a:t>
+            </a:r>
+          </a:p>
+          <a:p>
+            <a:pPr lvl="2"/>
+            <a:r>
+              <a:rPr lang="en-US" dirty="0" smtClean="0"/>
+              <a:t>Elan3, Elan4 </a:t>
+            </a:r>
+          </a:p>
+          <a:p>
+            <a:pPr lvl="1"/>
+            <a:r>
+              <a:rPr lang="en-US" dirty="0" err="1" smtClean="0"/>
+              <a:t>Myrinet</a:t>
             </a:r>
             <a:r>
               <a:rPr lang="en-US" dirty="0" smtClean="0"/>
               <a:t>: </a:t>
             </a:r>
-            <a:endParaRPr lang="en-US" dirty="0" smtClean="0"/>
           </a:p>
           <a:p>
             <a:pPr lvl="2"/>
             <a:r>
               <a:rPr lang="en-US" dirty="0" smtClean="0"/>
-              <a:t>Elan3</a:t>
-            </a:r>
-            <a:r>
-              <a:rPr lang="en-US" dirty="0" smtClean="0"/>
-              <a:t>, Elan4 </a:t>
-            </a:r>
-          </a:p>
-          <a:p>
-            <a:pPr lvl="1"/>
-            <a:r>
-              <a:rPr lang="en-US" dirty="0" err="1" smtClean="0"/>
-              <a:t>Myrinet</a:t>
-            </a:r>
-            <a:r>
-              <a:rPr lang="en-US" dirty="0" smtClean="0"/>
-              <a:t>: </a:t>
-            </a:r>
-            <a:endParaRPr lang="en-US" dirty="0" smtClean="0"/>
-          </a:p>
-          <a:p>
-            <a:pPr lvl="2"/>
-            <a:r>
-              <a:rPr lang="en-US" dirty="0" smtClean="0"/>
-              <a:t>GM</a:t>
-            </a:r>
-            <a:r>
-              <a:rPr lang="en-US" dirty="0" smtClean="0"/>
-              <a:t>, MX </a:t>
+              <a:t>GM, MX </a:t>
             </a:r>
           </a:p>
           <a:p>
@@ -4168,7 +4153,6 @@
               <a:rPr lang="en-US" dirty="0" smtClean="0"/>
               <a:t>Cray: </a:t>
             </a:r>
-            <a:endParaRPr lang="en-US" dirty="0" smtClean="0"/>
           </a:p>
           <a:p>
             <a:pPr lvl="2"/>
@@ -4290,11 +4274,7 @@
           <a:p>
             <a:r>
               <a:rPr lang="ru-RU" dirty="0" smtClean="0"/>
-              <a:t>Высокая доступность (отказоустойчивость</a:t>
-            </a:r>
-            <a:r>
-              <a:rPr lang="ru-RU" dirty="0" smtClean="0"/>
-              <a:t>)</a:t>
+              <a:t>Высокая доступность (отказоустойчивость)</a:t>
             </a:r>
           </a:p>
           <a:p>
@@ -4303,7 +4283,6 @@
               <a:rPr lang="ru-RU" dirty="0" smtClean="0"/>
               <a:t>Резервные серверы</a:t>
             </a:r>
-            <a:endParaRPr lang="ru-RU" dirty="0" smtClean="0"/>
           </a:p>
           <a:p>
             <a:pPr lvl="1"/>
@@ -4493,6 +4472,10 @@
               <a:t>поглатил</a:t>
             </a:r>
             <a:r>
+              <a:rPr lang="ru-RU" dirty="0" err="1" smtClean="0"/>
+              <a:t>а</a:t>
+            </a:r>
+            <a:r>
               <a:rPr lang="ru-RU" dirty="0" smtClean="0"/>
               <a:t> </a:t>
             </a:r>
@@ -4533,11 +4516,7 @@
             </a:r>
             <a:r>
               <a:rPr lang="ru-RU" dirty="0" smtClean="0"/>
-              <a:t> </a:t>
-            </a:r>
-            <a:r>
-              <a:rPr lang="ru-RU" dirty="0" smtClean="0"/>
-              <a:t> основали </a:t>
+              <a:t>  основали </a:t>
             </a:r>
             <a:r>
               <a:rPr lang="ru-RU" dirty="0" err="1" smtClean="0"/>
@@ -5202,6 +5181,64 @@
           </a:ln>
         </p:spPr>
       </p:pic>
+      <p:sp>
+        <p:nvSpPr>
+          <p:cNvPr id="5" name="Прямоугольник 4"/>
+          <p:cNvSpPr/>
+          <p:nvPr/>
+        </p:nvSpPr>
+        <p:spPr>
+          <a:xfrm>
+            <a:off x="1331640" y="3834000"/>
+            <a:ext cx="432048" cy="216024"/>
+          </a:xfrm>
+          <a:prstGeom prst="rect">
+            <a:avLst/>
+          </a:prstGeom>
+          <a:solidFill>
+            <a:srgbClr val="FF0000"/>
+          </a:solidFill>
+          <a:ln>
+            <a:noFill/>
+          </a:ln>
+        </p:spPr>
+        <p:style>
+          <a:lnRef idx="2">
+            <a:schemeClr val="accent1">
+              <a:shade val="50000"/>
+            </a:schemeClr>
+          </a:lnRef>
+          <a:fillRef idx="1">
+            <a:schemeClr val="accent1"/>
+          </a:fillRef>
+          <a:effectRef idx="0">
+            <a:schemeClr val="accent1"/>
+          </a:effectRef>
+          <a:fontRef idx="minor">
+            <a:schemeClr val="lt1"/>
+          </a:fontRef>
+        </p:style>
+        <p:txBody>
+          <a:bodyPr rtlCol="0" anchor="ctr"/>
+          <a:lstStyle/>
+          <a:p>
+            <a:pPr algn="ctr"/>
+            <a:r>
+              <a:rPr lang="en-US" dirty="0" smtClean="0">
+                <a:solidFill>
+                  <a:schemeClr val="tx1"/>
+                </a:solidFill>
+              </a:rPr>
+              <a:t>6</a:t>
+            </a:r>
+            <a:endParaRPr lang="ru-RU" dirty="0">
+              <a:solidFill>
+                <a:schemeClr val="tx1"/>
+              </a:solidFill>
+            </a:endParaRPr>
+          </a:p>
+        </p:txBody>
+      </p:sp>
     </p:spTree>
   </p:cSld>
   <p:clrMapOvr>
@@ -5680,11 +5717,7 @@
           <a:p>
             <a:r>
               <a:rPr lang="en-US" dirty="0" smtClean="0"/>
-              <a:t>LDLM </a:t>
-            </a:r>
-            <a:r>
-              <a:rPr lang="en-US" dirty="0" smtClean="0"/>
-              <a:t>– </a:t>
+              <a:t>LDLM – </a:t>
             </a:r>
             <a:r>
               <a:rPr lang="en-US" dirty="0" err="1" smtClean="0"/>
